--- a/Case_Study_presentation_Pauline.pptx
+++ b/Case_Study_presentation_Pauline.pptx
@@ -13,17 +13,18 @@
     <p:sldMasterId id="2147483849" r:id="rId9"/>
   </p:sldMasterIdLst>
   <p:notesMasterIdLst>
-    <p:notesMasterId r:id="rId15"/>
+    <p:notesMasterId r:id="rId16"/>
   </p:notesMasterIdLst>
   <p:handoutMasterIdLst>
-    <p:handoutMasterId r:id="rId16"/>
+    <p:handoutMasterId r:id="rId17"/>
   </p:handoutMasterIdLst>
   <p:sldIdLst>
     <p:sldId id="276" r:id="rId10"/>
-    <p:sldId id="272" r:id="rId11"/>
-    <p:sldId id="277" r:id="rId12"/>
-    <p:sldId id="278" r:id="rId13"/>
-    <p:sldId id="279" r:id="rId14"/>
+    <p:sldId id="280" r:id="rId11"/>
+    <p:sldId id="272" r:id="rId12"/>
+    <p:sldId id="277" r:id="rId13"/>
+    <p:sldId id="278" r:id="rId14"/>
+    <p:sldId id="279" r:id="rId15"/>
   </p:sldIdLst>
   <p:sldSz cx="12187238" cy="6858000"/>
   <p:notesSz cx="7099300" cy="10234613"/>
@@ -124,7 +125,7 @@
   </p:defaultTextStyle>
   <p:extLst>
     <p:ext uri="{EFAFB233-063F-42B5-8137-9DF3F51BA10A}">
-      <p15:sldGuideLst xmlns:p15="http://schemas.microsoft.com/office/powerpoint/2012/main" xmlns="">
+      <p15:sldGuideLst xmlns="" xmlns:p15="http://schemas.microsoft.com/office/powerpoint/2012/main">
         <p15:guide id="1" orient="horz" pos="391">
           <p15:clr>
             <a:srgbClr val="A4A3A4"/>
@@ -277,7 +278,7 @@
               <a:rPr lang="de-DE" smtClean="0">
                 <a:latin typeface="Arial" panose="020B0604020202020204" pitchFamily="34" charset="0"/>
               </a:rPr>
-              <a:t>18/05/18</a:t>
+              <a:t>22/05/18</a:t>
             </a:fld>
             <a:endParaRPr lang="de-DE" dirty="0">
               <a:latin typeface="Arial" panose="020B0604020202020204" pitchFamily="34" charset="0"/>
@@ -456,7 +457,7 @@
             <a:fld id="{BCDB334D-D17F-49C4-91DD-37BB7E818209}" type="datetimeFigureOut">
               <a:rPr lang="de-CH" smtClean="0"/>
               <a:pPr/>
-              <a:t>18/05/18</a:t>
+              <a:t>22/05/18</a:t>
             </a:fld>
             <a:endParaRPr lang="de-CH" dirty="0"/>
           </a:p>
@@ -1955,7 +1956,7 @@
   </p:timing>
   <p:extLst mod="1">
     <p:ext uri="{DCECCB84-F9BA-43D5-87BE-67443E8EF086}">
-      <p15:sldGuideLst xmlns:p15="http://schemas.microsoft.com/office/powerpoint/2012/main" xmlns=""/>
+      <p15:sldGuideLst xmlns="" xmlns:p15="http://schemas.microsoft.com/office/powerpoint/2012/main"/>
     </p:ext>
   </p:extLst>
 </p:sldLayout>
@@ -5369,7 +5370,7 @@
   </p:timing>
   <p:extLst mod="1">
     <p:ext uri="{DCECCB84-F9BA-43D5-87BE-67443E8EF086}">
-      <p15:sldGuideLst xmlns:p15="http://schemas.microsoft.com/office/powerpoint/2012/main" xmlns=""/>
+      <p15:sldGuideLst xmlns="" xmlns:p15="http://schemas.microsoft.com/office/powerpoint/2012/main"/>
     </p:ext>
   </p:extLst>
 </p:sldLayout>
@@ -8471,7 +8472,7 @@
   </p:timing>
   <p:extLst mod="1">
     <p:ext uri="{DCECCB84-F9BA-43D5-87BE-67443E8EF086}">
-      <p15:sldGuideLst xmlns:p15="http://schemas.microsoft.com/office/powerpoint/2012/main" xmlns=""/>
+      <p15:sldGuideLst xmlns="" xmlns:p15="http://schemas.microsoft.com/office/powerpoint/2012/main"/>
     </p:ext>
   </p:extLst>
 </p:sldLayout>
@@ -8784,7 +8785,7 @@
   </p:timing>
   <p:extLst mod="1">
     <p:ext uri="{DCECCB84-F9BA-43D5-87BE-67443E8EF086}">
-      <p15:sldGuideLst xmlns:p15="http://schemas.microsoft.com/office/powerpoint/2012/main" xmlns=""/>
+      <p15:sldGuideLst xmlns="" xmlns:p15="http://schemas.microsoft.com/office/powerpoint/2012/main"/>
     </p:ext>
   </p:extLst>
 </p:sldLayout>
@@ -11886,7 +11887,7 @@
   </p:timing>
   <p:extLst mod="1">
     <p:ext uri="{DCECCB84-F9BA-43D5-87BE-67443E8EF086}">
-      <p15:sldGuideLst xmlns:p15="http://schemas.microsoft.com/office/powerpoint/2012/main" xmlns=""/>
+      <p15:sldGuideLst xmlns="" xmlns:p15="http://schemas.microsoft.com/office/powerpoint/2012/main"/>
     </p:ext>
   </p:extLst>
 </p:sldLayout>
@@ -16029,7 +16030,7 @@
   </p:timing>
   <p:extLst mod="1">
     <p:ext uri="{DCECCB84-F9BA-43D5-87BE-67443E8EF086}">
-      <p15:sldGuideLst xmlns:p15="http://schemas.microsoft.com/office/powerpoint/2012/main" xmlns=""/>
+      <p15:sldGuideLst xmlns="" xmlns:p15="http://schemas.microsoft.com/office/powerpoint/2012/main"/>
     </p:ext>
   </p:extLst>
 </p:sldLayout>
@@ -19375,7 +19376,7 @@
   </p:timing>
   <p:extLst mod="1">
     <p:ext uri="{DCECCB84-F9BA-43D5-87BE-67443E8EF086}">
-      <p15:sldGuideLst xmlns:p15="http://schemas.microsoft.com/office/powerpoint/2012/main" xmlns=""/>
+      <p15:sldGuideLst xmlns="" xmlns:p15="http://schemas.microsoft.com/office/powerpoint/2012/main"/>
     </p:ext>
   </p:extLst>
 </p:sldLayout>
@@ -22890,7 +22891,7 @@
   </p:timing>
   <p:extLst mod="1">
     <p:ext uri="{DCECCB84-F9BA-43D5-87BE-67443E8EF086}">
-      <p15:sldGuideLst xmlns:p15="http://schemas.microsoft.com/office/powerpoint/2012/main" xmlns=""/>
+      <p15:sldGuideLst xmlns="" xmlns:p15="http://schemas.microsoft.com/office/powerpoint/2012/main"/>
     </p:ext>
   </p:extLst>
 </p:sldLayout>
@@ -26128,7 +26129,7 @@
   </p:timing>
   <p:extLst mod="1">
     <p:ext uri="{DCECCB84-F9BA-43D5-87BE-67443E8EF086}">
-      <p15:sldGuideLst xmlns:p15="http://schemas.microsoft.com/office/powerpoint/2012/main" xmlns=""/>
+      <p15:sldGuideLst xmlns="" xmlns:p15="http://schemas.microsoft.com/office/powerpoint/2012/main"/>
     </p:ext>
   </p:extLst>
 </p:sldLayout>
@@ -30070,7 +30071,7 @@
   </p:txStyles>
   <p:extLst mod="1">
     <p:ext uri="{27BBF7A9-308A-43DC-89C8-2F10F3537804}">
-      <p15:sldGuideLst xmlns:p15="http://schemas.microsoft.com/office/powerpoint/2012/main" xmlns="">
+      <p15:sldGuideLst xmlns="" xmlns:p15="http://schemas.microsoft.com/office/powerpoint/2012/main">
         <p15:guide id="1" pos="92" userDrawn="1">
           <p15:clr>
             <a:srgbClr val="F26B43"/>
@@ -31570,7 +31571,7 @@
   </p:txStyles>
   <p:extLst mod="1">
     <p:ext uri="{27BBF7A9-308A-43DC-89C8-2F10F3537804}">
-      <p15:sldGuideLst xmlns:p15="http://schemas.microsoft.com/office/powerpoint/2012/main" xmlns="">
+      <p15:sldGuideLst xmlns="" xmlns:p15="http://schemas.microsoft.com/office/powerpoint/2012/main">
         <p15:guide id="1" pos="92" userDrawn="1">
           <p15:clr>
             <a:srgbClr val="F26B43"/>
@@ -33070,7 +33071,7 @@
   </p:txStyles>
   <p:extLst mod="1">
     <p:ext uri="{27BBF7A9-308A-43DC-89C8-2F10F3537804}">
-      <p15:sldGuideLst xmlns:p15="http://schemas.microsoft.com/office/powerpoint/2012/main" xmlns="">
+      <p15:sldGuideLst xmlns="" xmlns:p15="http://schemas.microsoft.com/office/powerpoint/2012/main">
         <p15:guide id="1" pos="92" userDrawn="1">
           <p15:clr>
             <a:srgbClr val="F26B43"/>
@@ -34570,7 +34571,7 @@
   </p:txStyles>
   <p:extLst mod="1">
     <p:ext uri="{27BBF7A9-308A-43DC-89C8-2F10F3537804}">
-      <p15:sldGuideLst xmlns:p15="http://schemas.microsoft.com/office/powerpoint/2012/main" xmlns="">
+      <p15:sldGuideLst xmlns="" xmlns:p15="http://schemas.microsoft.com/office/powerpoint/2012/main">
         <p15:guide id="1" pos="92" userDrawn="1">
           <p15:clr>
             <a:srgbClr val="F26B43"/>
@@ -36070,7 +36071,7 @@
   </p:txStyles>
   <p:extLst mod="1">
     <p:ext uri="{27BBF7A9-308A-43DC-89C8-2F10F3537804}">
-      <p15:sldGuideLst xmlns:p15="http://schemas.microsoft.com/office/powerpoint/2012/main" xmlns="">
+      <p15:sldGuideLst xmlns="" xmlns:p15="http://schemas.microsoft.com/office/powerpoint/2012/main">
         <p15:guide id="1" pos="92" userDrawn="1">
           <p15:clr>
             <a:srgbClr val="F26B43"/>
@@ -37570,7 +37571,7 @@
   </p:txStyles>
   <p:extLst mod="1">
     <p:ext uri="{27BBF7A9-308A-43DC-89C8-2F10F3537804}">
-      <p15:sldGuideLst xmlns:p15="http://schemas.microsoft.com/office/powerpoint/2012/main" xmlns="">
+      <p15:sldGuideLst xmlns="" xmlns:p15="http://schemas.microsoft.com/office/powerpoint/2012/main">
         <p15:guide id="1" pos="92" userDrawn="1">
           <p15:clr>
             <a:srgbClr val="F26B43"/>
@@ -39070,7 +39071,7 @@
   </p:txStyles>
   <p:extLst mod="1">
     <p:ext uri="{27BBF7A9-308A-43DC-89C8-2F10F3537804}">
-      <p15:sldGuideLst xmlns:p15="http://schemas.microsoft.com/office/powerpoint/2012/main" xmlns="">
+      <p15:sldGuideLst xmlns="" xmlns:p15="http://schemas.microsoft.com/office/powerpoint/2012/main">
         <p15:guide id="1" pos="92" userDrawn="1">
           <p15:clr>
             <a:srgbClr val="F26B43"/>
@@ -40570,7 +40571,7 @@
   </p:txStyles>
   <p:extLst mod="1">
     <p:ext uri="{27BBF7A9-308A-43DC-89C8-2F10F3537804}">
-      <p15:sldGuideLst xmlns:p15="http://schemas.microsoft.com/office/powerpoint/2012/main" xmlns="">
+      <p15:sldGuideLst xmlns="" xmlns:p15="http://schemas.microsoft.com/office/powerpoint/2012/main">
         <p15:guide id="1" pos="92" userDrawn="1">
           <p15:clr>
             <a:srgbClr val="F26B43"/>
@@ -42070,7 +42071,7 @@
   </p:txStyles>
   <p:extLst mod="1">
     <p:ext uri="{27BBF7A9-308A-43DC-89C8-2F10F3537804}">
-      <p15:sldGuideLst xmlns:p15="http://schemas.microsoft.com/office/powerpoint/2012/main" xmlns="">
+      <p15:sldGuideLst xmlns="" xmlns:p15="http://schemas.microsoft.com/office/powerpoint/2012/main">
         <p15:guide id="1" pos="92" userDrawn="1">
           <p15:clr>
             <a:srgbClr val="F26B43"/>
@@ -42195,7 +42196,6 @@
               <a:rPr lang="en-GB" dirty="0" smtClean="0"/>
               <a:t>Length: 12 m / 28 m</a:t>
             </a:r>
-            <a:endParaRPr lang="en-GB" dirty="0" smtClean="0"/>
           </a:p>
           <a:p>
             <a:pPr lvl="1"/>
@@ -42205,11 +42205,7 @@
             </a:r>
             <a:r>
               <a:rPr lang="en-GB" dirty="0" smtClean="0"/>
-              <a:t>tubes: 1’342 </a:t>
-            </a:r>
-            <a:r>
-              <a:rPr lang="en-GB" smtClean="0"/>
-              <a:t>/ 17’149</a:t>
+              <a:t>tubes: 1’342 / 17’149</a:t>
             </a:r>
           </a:p>
           <a:p>
@@ -42220,8 +42216,16 @@
           </a:p>
           <a:p>
             <a:r>
+              <a:rPr lang="en-GB" dirty="0" smtClean="0"/>
+              <a:t>Cross- </a:t>
+            </a:r>
+            <a:r>
               <a:rPr lang="en-GB" dirty="0"/>
-              <a:t>Co- vs. counter-</a:t>
+              <a:t>vs. </a:t>
+            </a:r>
+            <a:r>
+              <a:rPr lang="en-GB" dirty="0" smtClean="0"/>
+              <a:t>co-</a:t>
             </a:r>
             <a:r>
               <a:rPr lang="en-GB" dirty="0" smtClean="0"/>
@@ -42415,119 +42419,6 @@
       </p:grpSpPr>
       <p:sp>
         <p:nvSpPr>
-          <p:cNvPr id="11" name="Inhaltsplatzhalter 10"/>
-          <p:cNvSpPr>
-            <a:spLocks noGrp="1"/>
-          </p:cNvSpPr>
-          <p:nvPr>
-            <p:ph idx="1"/>
-          </p:nvPr>
-        </p:nvSpPr>
-        <p:spPr>
-          <a:xfrm>
-            <a:off x="323850" y="1268700"/>
-            <a:ext cx="11537950" cy="4965410"/>
-          </a:xfrm>
-        </p:spPr>
-        <p:txBody>
-          <a:bodyPr/>
-          <a:lstStyle/>
-          <a:p>
-            <a:pPr marL="0" indent="0">
-              <a:buNone/>
-            </a:pPr>
-            <a:endParaRPr lang="en-GB" dirty="0" smtClean="0"/>
-          </a:p>
-          <a:p>
-            <a:pPr marL="0" indent="0">
-              <a:buNone/>
-            </a:pPr>
-            <a:r>
-              <a:rPr lang="en-GB" dirty="0" smtClean="0"/>
-              <a:t>NH</a:t>
-            </a:r>
-            <a:r>
-              <a:rPr lang="en-GB" baseline="-25000" dirty="0" smtClean="0"/>
-              <a:t>3</a:t>
-            </a:r>
-            <a:r>
-              <a:rPr lang="en-GB" dirty="0" smtClean="0"/>
-              <a:t> absorber:</a:t>
-            </a:r>
-          </a:p>
-          <a:p>
-            <a:r>
-              <a:rPr lang="en-GB" dirty="0"/>
-              <a:t>Ideal vs. real (case 1/case 3</a:t>
-            </a:r>
-            <a:r>
-              <a:rPr lang="en-GB" dirty="0" smtClean="0"/>
-              <a:t>)</a:t>
-            </a:r>
-          </a:p>
-          <a:p>
-            <a:pPr lvl="1"/>
-            <a:r>
-              <a:rPr lang="en-GB" dirty="0" smtClean="0"/>
-              <a:t>Column height: 2.44 m / 4.39 m</a:t>
-            </a:r>
-          </a:p>
-          <a:p>
-            <a:pPr lvl="1"/>
-            <a:r>
-              <a:rPr lang="en-GB" dirty="0" smtClean="0"/>
-              <a:t>Diameter: 0.79 m / 0.79 m</a:t>
-            </a:r>
-          </a:p>
-          <a:p>
-            <a:pPr lvl="1"/>
-            <a:r>
-              <a:rPr lang="en-GB" dirty="0" smtClean="0"/>
-              <a:t>Flow rate ratio 0.80 / 1.64</a:t>
-            </a:r>
-          </a:p>
-          <a:p>
-            <a:pPr lvl="1"/>
-            <a:r>
-              <a:rPr lang="en-GB" dirty="0"/>
-              <a:t>Temperature in the </a:t>
-            </a:r>
-            <a:r>
-              <a:rPr lang="en-GB" dirty="0" smtClean="0"/>
-              <a:t>column</a:t>
-            </a:r>
-          </a:p>
-          <a:p>
-            <a:pPr lvl="1"/>
-            <a:r>
-              <a:rPr lang="en-GB" dirty="0" smtClean="0"/>
-              <a:t>Volumetric fraction H</a:t>
-            </a:r>
-            <a:r>
-              <a:rPr lang="en-GB" baseline="-25000" dirty="0" smtClean="0"/>
-              <a:t>2</a:t>
-            </a:r>
-            <a:r>
-              <a:rPr lang="en-GB" dirty="0" smtClean="0"/>
-              <a:t>SO</a:t>
-            </a:r>
-            <a:r>
-              <a:rPr lang="en-GB" baseline="-25000" dirty="0" smtClean="0"/>
-              <a:t>4 </a:t>
-            </a:r>
-            <a:r>
-              <a:rPr lang="en-GB" dirty="0" smtClean="0"/>
-              <a:t>: 0.37 / 2.01</a:t>
-            </a:r>
-            <a:endParaRPr lang="en-GB" dirty="0"/>
-          </a:p>
-          <a:p>
-            <a:endParaRPr lang="en-GB" dirty="0" smtClean="0"/>
-          </a:p>
-        </p:txBody>
-      </p:sp>
-      <p:sp>
-        <p:nvSpPr>
           <p:cNvPr id="3" name="Datumsplatzhalter 2"/>
           <p:cNvSpPr>
             <a:spLocks noGrp="1"/>
@@ -42542,7 +42433,7 @@
           <a:lstStyle/>
           <a:p>
             <a:r>
-              <a:rPr lang="fr-CH" smtClean="0"/>
+              <a:rPr lang="fr-CH"/>
               <a:t>23.05.2018</a:t>
             </a:r>
             <a:endParaRPr lang="en-GB" dirty="0"/>
@@ -42565,7 +42456,7 @@
           <a:lstStyle/>
           <a:p>
             <a:r>
-              <a:rPr lang="en-GB" smtClean="0"/>
+              <a:rPr lang="en-GB"/>
               <a:t>Group A</a:t>
             </a:r>
             <a:endParaRPr lang="en-GB" dirty="0"/>
@@ -42606,28 +42497,53 @@
             <p:ph type="title"/>
           </p:nvPr>
         </p:nvSpPr>
+        <p:spPr/>
+        <p:txBody>
+          <a:bodyPr/>
+          <a:lstStyle/>
+          <a:p>
+            <a:r>
+              <a:rPr lang="en-GB" dirty="0" smtClean="0"/>
+              <a:t>Reactor profile case 3</a:t>
+            </a:r>
+            <a:endParaRPr lang="en-GB" dirty="0"/>
+          </a:p>
+        </p:txBody>
+      </p:sp>
+      <p:pic>
+        <p:nvPicPr>
+          <p:cNvPr id="7" name="Espace réservé du contenu 6" descr="ReactorProfileCase3_pres.pdf"/>
+          <p:cNvPicPr>
+            <a:picLocks noGrp="1" noChangeAspect="1"/>
+          </p:cNvPicPr>
+          <p:nvPr>
+            <p:ph idx="1"/>
+          </p:nvPr>
+        </p:nvPicPr>
+        <p:blipFill>
+          <a:blip r:embed="rId2">
+            <a:extLst>
+              <a:ext uri="{28A0092B-C50C-407E-A947-70E740481C1C}">
+                <a14:useLocalDpi xmlns:a14="http://schemas.microsoft.com/office/drawing/2010/main" val="0"/>
+              </a:ext>
+            </a:extLst>
+          </a:blip>
+          <a:srcRect l="-146643" r="-146643"/>
+          <a:stretch>
+            <a:fillRect/>
+          </a:stretch>
+        </p:blipFill>
         <p:spPr>
           <a:xfrm>
-            <a:off x="323850" y="620714"/>
-            <a:ext cx="11537950" cy="503966"/>
+            <a:off x="-1035371" y="734130"/>
+            <a:ext cx="14989524" cy="5469480"/>
           </a:xfrm>
         </p:spPr>
-        <p:txBody>
-          <a:bodyPr/>
-          <a:lstStyle/>
-          <a:p>
-            <a:r>
-              <a:rPr lang="en-GB" dirty="0" smtClean="0"/>
-              <a:t>Results</a:t>
-            </a:r>
-            <a:endParaRPr lang="en-GB" dirty="0"/>
-          </a:p>
-        </p:txBody>
-      </p:sp>
+      </p:pic>
     </p:spTree>
     <p:extLst>
       <p:ext uri="{BB962C8B-B14F-4D97-AF65-F5344CB8AC3E}">
-        <p14:creationId xmlns:p14="http://schemas.microsoft.com/office/powerpoint/2010/main" val="2857788226"/>
+        <p14:creationId xmlns:p14="http://schemas.microsoft.com/office/powerpoint/2010/main" val="162444123"/>
       </p:ext>
     </p:extLst>
   </p:cSld>
@@ -42637,13 +42553,6 @@
   <p:transition xmlns:p14="http://schemas.microsoft.com/office/powerpoint/2010/main">
     <p:fade/>
   </p:transition>
-  <p:timing>
-    <p:tnLst>
-      <p:par>
-        <p:cTn xmlns:p14="http://schemas.microsoft.com/office/powerpoint/2010/main" id="1" dur="indefinite" restart="never" nodeType="tmRoot"/>
-      </p:par>
-    </p:tnLst>
-  </p:timing>
 </p:sld>
 </file>
 
@@ -42695,7 +42604,11 @@
             </a:pPr>
             <a:r>
               <a:rPr lang="en-GB" dirty="0" smtClean="0"/>
-              <a:t>HCN</a:t>
+              <a:t>NH</a:t>
+            </a:r>
+            <a:r>
+              <a:rPr lang="en-GB" baseline="-25000" dirty="0" smtClean="0"/>
+              <a:t>3</a:t>
             </a:r>
             <a:r>
               <a:rPr lang="en-GB" dirty="0" smtClean="0"/>
@@ -42716,32 +42629,55 @@
             <a:pPr lvl="1"/>
             <a:r>
               <a:rPr lang="en-GB" dirty="0" smtClean="0"/>
-              <a:t>Column height: 9.73 m / 10.31 m</a:t>
+              <a:t>Column height: 2.44 m / 4.39 m</a:t>
             </a:r>
           </a:p>
           <a:p>
             <a:pPr lvl="1"/>
             <a:r>
               <a:rPr lang="en-GB" dirty="0" smtClean="0"/>
-              <a:t>Diameter: 1.11 m / 1.10 m</a:t>
+              <a:t>Diameter: 0.79 m / 0.79 m</a:t>
             </a:r>
           </a:p>
           <a:p>
             <a:pPr lvl="1"/>
             <a:r>
+              <a:rPr lang="en-GB" dirty="0" smtClean="0"/>
+              <a:t>Flow rate ratio 0.80 / 1.64</a:t>
+            </a:r>
+          </a:p>
+          <a:p>
+            <a:pPr lvl="1"/>
+            <a:r>
               <a:rPr lang="en-GB" dirty="0"/>
-              <a:t>Outlet </a:t>
+              <a:t>Temperature in the </a:t>
             </a:r>
             <a:r>
               <a:rPr lang="en-GB" dirty="0" smtClean="0"/>
-              <a:t>temperature: 294.72 K / 293.57 K</a:t>
+              <a:t>column</a:t>
             </a:r>
           </a:p>
           <a:p>
             <a:pPr lvl="1"/>
             <a:r>
               <a:rPr lang="en-GB" dirty="0" smtClean="0"/>
-              <a:t>Water</a:t>
+              <a:t>Volumetric fraction H</a:t>
+            </a:r>
+            <a:r>
+              <a:rPr lang="en-GB" baseline="-25000" dirty="0" smtClean="0"/>
+              <a:t>2</a:t>
+            </a:r>
+            <a:r>
+              <a:rPr lang="en-GB" dirty="0" smtClean="0"/>
+              <a:t>SO</a:t>
+            </a:r>
+            <a:r>
+              <a:rPr lang="en-GB" baseline="-25000" dirty="0" smtClean="0"/>
+              <a:t>4 </a:t>
+            </a:r>
+            <a:r>
+              <a:rPr lang="en-GB" dirty="0" smtClean="0"/>
+              <a:t>: 0.37 / 2.01</a:t>
             </a:r>
             <a:endParaRPr lang="en-GB" dirty="0"/>
           </a:p>
@@ -42851,7 +42787,7 @@
     </p:spTree>
     <p:extLst>
       <p:ext uri="{BB962C8B-B14F-4D97-AF65-F5344CB8AC3E}">
-        <p14:creationId xmlns:p14="http://schemas.microsoft.com/office/powerpoint/2010/main" val="1925662682"/>
+        <p14:creationId xmlns:p14="http://schemas.microsoft.com/office/powerpoint/2010/main" val="2857788226"/>
       </p:ext>
     </p:extLst>
   </p:cSld>
@@ -42919,11 +42855,7 @@
             </a:pPr>
             <a:r>
               <a:rPr lang="en-GB" dirty="0" smtClean="0"/>
-              <a:t>HCN</a:t>
-            </a:r>
-            <a:r>
-              <a:rPr lang="en-GB" dirty="0" smtClean="0"/>
-              <a:t> distillation:</a:t>
+              <a:t>HCN absorber:</a:t>
             </a:r>
           </a:p>
           <a:p>
@@ -42940,34 +42872,37 @@
             <a:pPr lvl="1"/>
             <a:r>
               <a:rPr lang="en-GB" dirty="0" smtClean="0"/>
-              <a:t>Column height: 9.36 m / 10.08 m</a:t>
+              <a:t>Column height: 9.73 m / 10.31 m</a:t>
             </a:r>
           </a:p>
           <a:p>
             <a:pPr lvl="1"/>
             <a:r>
               <a:rPr lang="en-GB" dirty="0" smtClean="0"/>
-              <a:t>Diameter: 1.73 m / 1.92 m</a:t>
+              <a:t>Diameter: 1.11 m / 1.10 m</a:t>
             </a:r>
           </a:p>
           <a:p>
             <a:pPr lvl="1"/>
             <a:r>
+              <a:rPr lang="en-GB" dirty="0"/>
+              <a:t>Outlet </a:t>
+            </a:r>
+            <a:r>
               <a:rPr lang="en-GB" dirty="0" smtClean="0"/>
-              <a:t>Heat exchanger area: 0.057 m</a:t>
-            </a:r>
-            <a:r>
-              <a:rPr lang="en-GB" baseline="30000" dirty="0" smtClean="0"/>
-              <a:t>2</a:t>
-            </a:r>
+              <a:t>temperature: 294.72 K / 293.57 K</a:t>
+            </a:r>
+          </a:p>
+          <a:p>
+            <a:pPr lvl="1"/>
             <a:r>
               <a:rPr lang="en-GB" dirty="0" smtClean="0"/>
-              <a:t> / 0.056 m</a:t>
-            </a:r>
-            <a:r>
-              <a:rPr lang="en-GB" baseline="30000" dirty="0" smtClean="0"/>
-              <a:t>2</a:t>
-            </a:r>
+              <a:t>Water</a:t>
+            </a:r>
+            <a:endParaRPr lang="en-GB" dirty="0"/>
+          </a:p>
+          <a:p>
+            <a:endParaRPr lang="en-GB" dirty="0" smtClean="0"/>
           </a:p>
         </p:txBody>
       </p:sp>
@@ -43072,7 +43007,7 @@
     </p:spTree>
     <p:extLst>
       <p:ext uri="{BB962C8B-B14F-4D97-AF65-F5344CB8AC3E}">
-        <p14:creationId xmlns:p14="http://schemas.microsoft.com/office/powerpoint/2010/main" val="424673430"/>
+        <p14:creationId xmlns:p14="http://schemas.microsoft.com/office/powerpoint/2010/main" val="1925662682"/>
       </p:ext>
     </p:extLst>
   </p:cSld>
@@ -43140,9 +43075,8 @@
             </a:pPr>
             <a:r>
               <a:rPr lang="en-GB" dirty="0" smtClean="0"/>
-              <a:t>Costs</a:t>
-            </a:r>
-            <a:endParaRPr lang="en-GB" dirty="0" smtClean="0"/>
+              <a:t>HCN distillation:</a:t>
+            </a:r>
           </a:p>
           <a:p>
             <a:r>
@@ -43158,7 +43092,33 @@
             <a:pPr lvl="1"/>
             <a:r>
               <a:rPr lang="en-GB" dirty="0" smtClean="0"/>
-              <a:t>Break-even price: 0.62 $/kg / 0.76 $/kg</a:t>
+              <a:t>Column height: 9.36 m / 10.08 m</a:t>
+            </a:r>
+          </a:p>
+          <a:p>
+            <a:pPr lvl="1"/>
+            <a:r>
+              <a:rPr lang="en-GB" dirty="0" smtClean="0"/>
+              <a:t>Diameter: 1.73 m / 1.92 m</a:t>
+            </a:r>
+          </a:p>
+          <a:p>
+            <a:pPr lvl="1"/>
+            <a:r>
+              <a:rPr lang="en-GB" dirty="0" smtClean="0"/>
+              <a:t>Heat exchanger area: 0.057 m</a:t>
+            </a:r>
+            <a:r>
+              <a:rPr lang="en-GB" baseline="30000" dirty="0" smtClean="0"/>
+              <a:t>2</a:t>
+            </a:r>
+            <a:r>
+              <a:rPr lang="en-GB" dirty="0" smtClean="0"/>
+              <a:t> / 0.056 m</a:t>
+            </a:r>
+            <a:r>
+              <a:rPr lang="en-GB" baseline="30000" dirty="0" smtClean="0"/>
+              <a:t>2</a:t>
             </a:r>
           </a:p>
         </p:txBody>
@@ -43228,6 +43188,197 @@
               <a:rPr lang="en-GB" smtClean="0"/>
               <a:pPr/>
               <a:t>5</a:t>
+            </a:fld>
+            <a:endParaRPr lang="en-GB" dirty="0"/>
+          </a:p>
+        </p:txBody>
+      </p:sp>
+      <p:sp>
+        <p:nvSpPr>
+          <p:cNvPr id="10" name="Titel 9"/>
+          <p:cNvSpPr>
+            <a:spLocks noGrp="1"/>
+          </p:cNvSpPr>
+          <p:nvPr>
+            <p:ph type="title"/>
+          </p:nvPr>
+        </p:nvSpPr>
+        <p:spPr>
+          <a:xfrm>
+            <a:off x="323850" y="620714"/>
+            <a:ext cx="11537950" cy="503966"/>
+          </a:xfrm>
+        </p:spPr>
+        <p:txBody>
+          <a:bodyPr/>
+          <a:lstStyle/>
+          <a:p>
+            <a:r>
+              <a:rPr lang="en-GB" dirty="0" smtClean="0"/>
+              <a:t>Results</a:t>
+            </a:r>
+            <a:endParaRPr lang="en-GB" dirty="0"/>
+          </a:p>
+        </p:txBody>
+      </p:sp>
+    </p:spTree>
+    <p:extLst>
+      <p:ext uri="{BB962C8B-B14F-4D97-AF65-F5344CB8AC3E}">
+        <p14:creationId xmlns:p14="http://schemas.microsoft.com/office/powerpoint/2010/main" val="424673430"/>
+      </p:ext>
+    </p:extLst>
+  </p:cSld>
+  <p:clrMapOvr>
+    <a:masterClrMapping/>
+  </p:clrMapOvr>
+  <p:transition xmlns:p14="http://schemas.microsoft.com/office/powerpoint/2010/main">
+    <p:fade/>
+  </p:transition>
+  <p:timing>
+    <p:tnLst>
+      <p:par>
+        <p:cTn xmlns:p14="http://schemas.microsoft.com/office/powerpoint/2010/main" id="1" dur="indefinite" restart="never" nodeType="tmRoot"/>
+      </p:par>
+    </p:tnLst>
+  </p:timing>
+</p:sld>
+</file>
+
+<file path=ppt/slides/slide6.xml><?xml version="1.0" encoding="utf-8"?>
+<p:sld xmlns:a="http://schemas.openxmlformats.org/drawingml/2006/main" xmlns:r="http://schemas.openxmlformats.org/officeDocument/2006/relationships" xmlns:p="http://schemas.openxmlformats.org/presentationml/2006/main">
+  <p:cSld>
+    <p:spTree>
+      <p:nvGrpSpPr>
+        <p:cNvPr id="1" name=""/>
+        <p:cNvGrpSpPr/>
+        <p:nvPr/>
+      </p:nvGrpSpPr>
+      <p:grpSpPr>
+        <a:xfrm>
+          <a:off x="0" y="0"/>
+          <a:ext cx="0" cy="0"/>
+          <a:chOff x="0" y="0"/>
+          <a:chExt cx="0" cy="0"/>
+        </a:xfrm>
+      </p:grpSpPr>
+      <p:sp>
+        <p:nvSpPr>
+          <p:cNvPr id="11" name="Inhaltsplatzhalter 10"/>
+          <p:cNvSpPr>
+            <a:spLocks noGrp="1"/>
+          </p:cNvSpPr>
+          <p:nvPr>
+            <p:ph idx="1"/>
+          </p:nvPr>
+        </p:nvSpPr>
+        <p:spPr>
+          <a:xfrm>
+            <a:off x="323850" y="1268700"/>
+            <a:ext cx="11537950" cy="4965410"/>
+          </a:xfrm>
+        </p:spPr>
+        <p:txBody>
+          <a:bodyPr/>
+          <a:lstStyle/>
+          <a:p>
+            <a:pPr marL="0" indent="0">
+              <a:buNone/>
+            </a:pPr>
+            <a:endParaRPr lang="en-GB" dirty="0" smtClean="0"/>
+          </a:p>
+          <a:p>
+            <a:pPr marL="0" indent="0">
+              <a:buNone/>
+            </a:pPr>
+            <a:r>
+              <a:rPr lang="en-GB" dirty="0" smtClean="0"/>
+              <a:t>Costs</a:t>
+            </a:r>
+          </a:p>
+          <a:p>
+            <a:r>
+              <a:rPr lang="en-GB" dirty="0"/>
+              <a:t>Ideal vs. real (case 1/case 3</a:t>
+            </a:r>
+            <a:r>
+              <a:rPr lang="en-GB" dirty="0" smtClean="0"/>
+              <a:t>)</a:t>
+            </a:r>
+          </a:p>
+          <a:p>
+            <a:pPr lvl="1"/>
+            <a:r>
+              <a:rPr lang="en-GB" dirty="0" smtClean="0"/>
+              <a:t>Break-even price: 0.62 $/kg / 0.76 $/kg</a:t>
+            </a:r>
+          </a:p>
+        </p:txBody>
+      </p:sp>
+      <p:sp>
+        <p:nvSpPr>
+          <p:cNvPr id="3" name="Datumsplatzhalter 2"/>
+          <p:cNvSpPr>
+            <a:spLocks noGrp="1"/>
+          </p:cNvSpPr>
+          <p:nvPr>
+            <p:ph type="dt" sz="half" idx="10"/>
+          </p:nvPr>
+        </p:nvSpPr>
+        <p:spPr/>
+        <p:txBody>
+          <a:bodyPr/>
+          <a:lstStyle/>
+          <a:p>
+            <a:r>
+              <a:rPr lang="fr-CH" smtClean="0"/>
+              <a:t>23.05.2018</a:t>
+            </a:r>
+            <a:endParaRPr lang="en-GB" dirty="0"/>
+          </a:p>
+        </p:txBody>
+      </p:sp>
+      <p:sp>
+        <p:nvSpPr>
+          <p:cNvPr id="4" name="Fußzeilenplatzhalter 3"/>
+          <p:cNvSpPr>
+            <a:spLocks noGrp="1"/>
+          </p:cNvSpPr>
+          <p:nvPr>
+            <p:ph type="ftr" sz="quarter" idx="11"/>
+          </p:nvPr>
+        </p:nvSpPr>
+        <p:spPr/>
+        <p:txBody>
+          <a:bodyPr/>
+          <a:lstStyle/>
+          <a:p>
+            <a:r>
+              <a:rPr lang="en-GB" smtClean="0"/>
+              <a:t>Group A</a:t>
+            </a:r>
+            <a:endParaRPr lang="en-GB" dirty="0"/>
+          </a:p>
+        </p:txBody>
+      </p:sp>
+      <p:sp>
+        <p:nvSpPr>
+          <p:cNvPr id="5" name="Foliennummernplatzhalter 4"/>
+          <p:cNvSpPr>
+            <a:spLocks noGrp="1"/>
+          </p:cNvSpPr>
+          <p:nvPr>
+            <p:ph type="sldNum" sz="quarter" idx="12"/>
+          </p:nvPr>
+        </p:nvSpPr>
+        <p:spPr/>
+        <p:txBody>
+          <a:bodyPr/>
+          <a:lstStyle/>
+          <a:p>
+            <a:fld id="{6C6AE60A-B69C-4790-82F7-3882EDF23186}" type="slidenum">
+              <a:rPr lang="en-GB" smtClean="0"/>
+              <a:pPr/>
+              <a:t>6</a:t>
             </a:fld>
             <a:endParaRPr lang="en-GB" dirty="0"/>
           </a:p>
@@ -43784,7 +43935,7 @@
   </a:custClrLst>
   <a:extLst>
     <a:ext uri="{05A4C25C-085E-4340-85A3-A5531E510DB2}">
-      <thm15:themeFamily xmlns:thm15="http://schemas.microsoft.com/office/thememl/2012/main" xmlns="" name="eth_praesentation_16zu9_ETH1_d" id="{F9B539DF-8A69-4439-8089-24A40A980317}" vid="{5D9C827C-5BA7-402A-8ABB-C7F0BA4B4DEC}"/>
+      <thm15:themeFamily xmlns="" xmlns:thm15="http://schemas.microsoft.com/office/thememl/2012/main" name="eth_praesentation_16zu9_ETH1_d" id="{F9B539DF-8A69-4439-8089-24A40A980317}" vid="{5D9C827C-5BA7-402A-8ABB-C7F0BA4B4DEC}"/>
     </a:ext>
   </a:extLst>
 </a:theme>
@@ -44805,7 +44956,7 @@
   </a:custClrLst>
   <a:extLst>
     <a:ext uri="{05A4C25C-085E-4340-85A3-A5531E510DB2}">
-      <thm15:themeFamily xmlns:thm15="http://schemas.microsoft.com/office/thememl/2012/main" xmlns="" name="eth_praesentation_16zu9_ETH1_d" id="{F9B539DF-8A69-4439-8089-24A40A980317}" vid="{5D9C827C-5BA7-402A-8ABB-C7F0BA4B4DEC}"/>
+      <thm15:themeFamily xmlns="" xmlns:thm15="http://schemas.microsoft.com/office/thememl/2012/main" name="eth_praesentation_16zu9_ETH1_d" id="{F9B539DF-8A69-4439-8089-24A40A980317}" vid="{5D9C827C-5BA7-402A-8ABB-C7F0BA4B4DEC}"/>
     </a:ext>
   </a:extLst>
 </a:theme>
@@ -45221,7 +45372,7 @@
   </a:custClrLst>
   <a:extLst>
     <a:ext uri="{05A4C25C-085E-4340-85A3-A5531E510DB2}">
-      <thm15:themeFamily xmlns:thm15="http://schemas.microsoft.com/office/thememl/2012/main" xmlns="" name="eth_praesentation_16zu9_ETH1_d" id="{F9B539DF-8A69-4439-8089-24A40A980317}" vid="{5D9C827C-5BA7-402A-8ABB-C7F0BA4B4DEC}"/>
+      <thm15:themeFamily xmlns="" xmlns:thm15="http://schemas.microsoft.com/office/thememl/2012/main" name="eth_praesentation_16zu9_ETH1_d" id="{F9B539DF-8A69-4439-8089-24A40A980317}" vid="{5D9C827C-5BA7-402A-8ABB-C7F0BA4B4DEC}"/>
     </a:ext>
   </a:extLst>
 </a:theme>
@@ -45637,7 +45788,7 @@
   </a:custClrLst>
   <a:extLst>
     <a:ext uri="{05A4C25C-085E-4340-85A3-A5531E510DB2}">
-      <thm15:themeFamily xmlns:thm15="http://schemas.microsoft.com/office/thememl/2012/main" xmlns="" name="eth_praesentation_16zu9_ETH1_d" id="{F9B539DF-8A69-4439-8089-24A40A980317}" vid="{5D9C827C-5BA7-402A-8ABB-C7F0BA4B4DEC}"/>
+      <thm15:themeFamily xmlns="" xmlns:thm15="http://schemas.microsoft.com/office/thememl/2012/main" name="eth_praesentation_16zu9_ETH1_d" id="{F9B539DF-8A69-4439-8089-24A40A980317}" vid="{5D9C827C-5BA7-402A-8ABB-C7F0BA4B4DEC}"/>
     </a:ext>
   </a:extLst>
 </a:theme>
@@ -46053,7 +46204,7 @@
   </a:custClrLst>
   <a:extLst>
     <a:ext uri="{05A4C25C-085E-4340-85A3-A5531E510DB2}">
-      <thm15:themeFamily xmlns:thm15="http://schemas.microsoft.com/office/thememl/2012/main" xmlns="" name="eth_praesentation_16zu9_ETH1_d" id="{F9B539DF-8A69-4439-8089-24A40A980317}" vid="{5D9C827C-5BA7-402A-8ABB-C7F0BA4B4DEC}"/>
+      <thm15:themeFamily xmlns="" xmlns:thm15="http://schemas.microsoft.com/office/thememl/2012/main" name="eth_praesentation_16zu9_ETH1_d" id="{F9B539DF-8A69-4439-8089-24A40A980317}" vid="{5D9C827C-5BA7-402A-8ABB-C7F0BA4B4DEC}"/>
     </a:ext>
   </a:extLst>
 </a:theme>
@@ -46469,7 +46620,7 @@
   </a:custClrLst>
   <a:extLst>
     <a:ext uri="{05A4C25C-085E-4340-85A3-A5531E510DB2}">
-      <thm15:themeFamily xmlns:thm15="http://schemas.microsoft.com/office/thememl/2012/main" xmlns="" name="eth_praesentation_16zu9_ETH1_d" id="{F9B539DF-8A69-4439-8089-24A40A980317}" vid="{5D9C827C-5BA7-402A-8ABB-C7F0BA4B4DEC}"/>
+      <thm15:themeFamily xmlns="" xmlns:thm15="http://schemas.microsoft.com/office/thememl/2012/main" name="eth_praesentation_16zu9_ETH1_d" id="{F9B539DF-8A69-4439-8089-24A40A980317}" vid="{5D9C827C-5BA7-402A-8ABB-C7F0BA4B4DEC}"/>
     </a:ext>
   </a:extLst>
 </a:theme>
@@ -46885,7 +47036,7 @@
   </a:custClrLst>
   <a:extLst>
     <a:ext uri="{05A4C25C-085E-4340-85A3-A5531E510DB2}">
-      <thm15:themeFamily xmlns:thm15="http://schemas.microsoft.com/office/thememl/2012/main" xmlns="" name="eth_praesentation_16zu9_ETH1_d" id="{F9B539DF-8A69-4439-8089-24A40A980317}" vid="{5D9C827C-5BA7-402A-8ABB-C7F0BA4B4DEC}"/>
+      <thm15:themeFamily xmlns="" xmlns:thm15="http://schemas.microsoft.com/office/thememl/2012/main" name="eth_praesentation_16zu9_ETH1_d" id="{F9B539DF-8A69-4439-8089-24A40A980317}" vid="{5D9C827C-5BA7-402A-8ABB-C7F0BA4B4DEC}"/>
     </a:ext>
   </a:extLst>
 </a:theme>
@@ -47301,7 +47452,7 @@
   </a:custClrLst>
   <a:extLst>
     <a:ext uri="{05A4C25C-085E-4340-85A3-A5531E510DB2}">
-      <thm15:themeFamily xmlns:thm15="http://schemas.microsoft.com/office/thememl/2012/main" xmlns="" name="eth_praesentation_16zu9_ETH1_d" id="{F9B539DF-8A69-4439-8089-24A40A980317}" vid="{5D9C827C-5BA7-402A-8ABB-C7F0BA4B4DEC}"/>
+      <thm15:themeFamily xmlns="" xmlns:thm15="http://schemas.microsoft.com/office/thememl/2012/main" name="eth_praesentation_16zu9_ETH1_d" id="{F9B539DF-8A69-4439-8089-24A40A980317}" vid="{5D9C827C-5BA7-402A-8ABB-C7F0BA4B4DEC}"/>
     </a:ext>
   </a:extLst>
 </a:theme>
@@ -47717,7 +47868,7 @@
   </a:custClrLst>
   <a:extLst>
     <a:ext uri="{05A4C25C-085E-4340-85A3-A5531E510DB2}">
-      <thm15:themeFamily xmlns:thm15="http://schemas.microsoft.com/office/thememl/2012/main" xmlns="" name="eth_praesentation_16zu9_ETH1_d" id="{F9B539DF-8A69-4439-8089-24A40A980317}" vid="{5D9C827C-5BA7-402A-8ABB-C7F0BA4B4DEC}"/>
+      <thm15:themeFamily xmlns="" xmlns:thm15="http://schemas.microsoft.com/office/thememl/2012/main" name="eth_praesentation_16zu9_ETH1_d" id="{F9B539DF-8A69-4439-8089-24A40A980317}" vid="{5D9C827C-5BA7-402A-8ABB-C7F0BA4B4DEC}"/>
     </a:ext>
   </a:extLst>
 </a:theme>
